--- a/images/SOF_Glossary.pptx
+++ b/images/SOF_Glossary.pptx
@@ -104,6 +104,11 @@
       </a:defRPr>
     </a:lvl9pPr>
   </p:defaultTextStyle>
+  <p:extLst>
+    <p:ext uri="{EFAFB233-063F-42B5-8137-9DF3F51BA10A}">
+      <p15:sldGuideLst xmlns:p15="http://schemas.microsoft.com/office/powerpoint/2012/main"/>
+    </p:ext>
+  </p:extLst>
 </p:presentation>
 </file>
 
@@ -3727,16 +3732,10 @@
                     <a:p>
                       <a:pPr algn="ctr"/>
                       <a:r>
-                        <a:rPr lang="en-US" sz="1800" b="1" dirty="0" err="1">
-                          <a:latin typeface="Garamond" panose="02020404030301010803" pitchFamily="18" charset="0"/>
-                        </a:rPr>
-                        <a:t>Helo</a:t>
-                      </a:r>
-                      <a:r>
                         <a:rPr lang="en-US" sz="1800" b="1" dirty="0">
                           <a:latin typeface="Garamond" panose="02020404030301010803" pitchFamily="18" charset="0"/>
                         </a:rPr>
-                        <a:t> Pilot</a:t>
+                        <a:t>Helo Pilot</a:t>
                       </a:r>
                     </a:p>
                   </a:txBody>
@@ -3801,19 +3800,7 @@
                         <a:rPr lang="en-US" sz="1500" dirty="0">
                           <a:latin typeface="Garamond" panose="02020404030301010803" pitchFamily="18" charset="0"/>
                         </a:rPr>
-                        <a:t>Air Force </a:t>
-                      </a:r>
-                      <a:r>
-                        <a:rPr lang="en-US" sz="1500" dirty="0" err="1">
-                          <a:latin typeface="Garamond" panose="02020404030301010803" pitchFamily="18" charset="0"/>
-                        </a:rPr>
-                        <a:t>Pararescueman</a:t>
-                      </a:r>
-                      <a:r>
-                        <a:rPr lang="en-US" sz="1500" dirty="0">
-                          <a:latin typeface="Garamond" panose="02020404030301010803" pitchFamily="18" charset="0"/>
-                        </a:rPr>
-                        <a:t>, someone you want next to you in a gunfight</a:t>
+                        <a:t>Air Force Pararescueman, someone you want next to you in a gunfight</a:t>
                       </a:r>
                     </a:p>
                   </a:txBody>
